--- a/docs/490presentation.pptx
+++ b/docs/490presentation.pptx
@@ -5,18 +5,20 @@
     <p:sldMasterId id="2147483660" r:id="rId1"/>
   </p:sldMasterIdLst>
   <p:notesMasterIdLst>
-    <p:notesMasterId r:id="rId11"/>
+    <p:notesMasterId r:id="rId13"/>
   </p:notesMasterIdLst>
   <p:sldIdLst>
     <p:sldId id="256" r:id="rId2"/>
     <p:sldId id="258" r:id="rId3"/>
-    <p:sldId id="257" r:id="rId4"/>
-    <p:sldId id="259" r:id="rId5"/>
-    <p:sldId id="260" r:id="rId6"/>
-    <p:sldId id="261" r:id="rId7"/>
-    <p:sldId id="263" r:id="rId8"/>
-    <p:sldId id="264" r:id="rId9"/>
-    <p:sldId id="262" r:id="rId10"/>
+    <p:sldId id="265" r:id="rId4"/>
+    <p:sldId id="257" r:id="rId5"/>
+    <p:sldId id="266" r:id="rId6"/>
+    <p:sldId id="259" r:id="rId7"/>
+    <p:sldId id="260" r:id="rId8"/>
+    <p:sldId id="261" r:id="rId9"/>
+    <p:sldId id="263" r:id="rId10"/>
+    <p:sldId id="264" r:id="rId11"/>
+    <p:sldId id="262" r:id="rId12"/>
   </p:sldIdLst>
   <p:sldSz cx="9144000" cy="6858000" type="screen4x3"/>
   <p:notesSz cx="6858000" cy="9144000"/>
@@ -115,6 +117,11 @@
       </a:defRPr>
     </a:lvl9pPr>
   </p:defaultTextStyle>
+  <p:extLst>
+    <p:ext uri="{EFAFB233-063F-42B5-8137-9DF3F51BA10A}">
+      <p15:sldGuideLst xmlns:p15="http://schemas.microsoft.com/office/powerpoint/2012/main"/>
+    </p:ext>
+  </p:extLst>
 </p:presentation>
 </file>
 
@@ -200,7 +207,7 @@
           <a:p>
             <a:fld id="{7715B04F-15EC-40F1-9AE2-8429BB7DF8B2}" type="datetimeFigureOut">
               <a:rPr lang="en-US" smtClean="0"/>
-              <a:t>11/19/2015</a:t>
+              <a:t>12/5/2015</a:t>
             </a:fld>
             <a:endParaRPr lang="en-US"/>
           </a:p>
@@ -514,46 +521,81 @@
           <a:p>
             <a:r>
               <a:rPr lang="en-US" dirty="0" smtClean="0"/>
-              <a:t>Project Omaha is a collective</a:t>
+              <a:t>##Xander</a:t>
+            </a:r>
+          </a:p>
+          <a:p>
+            <a:r>
+              <a:rPr lang="en-US" dirty="0" smtClean="0"/>
+              <a:t>Who</a:t>
             </a:r>
             <a:r>
               <a:rPr lang="en-US" baseline="0" dirty="0" smtClean="0"/>
-              <a:t> effort to attempt to fully disassemble an </a:t>
+              <a:t> here votes?</a:t>
+            </a:r>
+          </a:p>
+          <a:p>
+            <a:r>
+              <a:rPr lang="en-US" baseline="0" dirty="0" smtClean="0"/>
+              <a:t>Keep hand raised if voting security is important to you</a:t>
+            </a:r>
+          </a:p>
+          <a:p>
+            <a:r>
+              <a:rPr lang="en-US" baseline="0" dirty="0" smtClean="0"/>
+              <a:t>P.O. stands to disassemble a DRE (Direct Recording Electronic) machine known as the </a:t>
             </a:r>
             <a:r>
               <a:rPr lang="en-US" baseline="0" dirty="0" err="1" smtClean="0"/>
-              <a:t>iVotronic</a:t>
+              <a:t>iVotornic</a:t>
             </a:r>
             <a:r>
               <a:rPr lang="en-US" baseline="0" dirty="0" smtClean="0"/>
-              <a:t> machine developed by ES&amp;S (Election Systems &amp; Software) in 1996. The </a:t>
+              <a:t> from ES&amp;S (Election Systems &amp; Software)</a:t>
+            </a:r>
+          </a:p>
+          <a:p>
+            <a:r>
+              <a:rPr lang="en-US" baseline="0" dirty="0" smtClean="0"/>
+              <a:t>These machines are a security nightmare</a:t>
+            </a:r>
+          </a:p>
+          <a:p>
+            <a:endParaRPr lang="en-US" baseline="0" dirty="0" smtClean="0"/>
+          </a:p>
+          <a:p>
+            <a:r>
+              <a:rPr lang="en-US" baseline="0" dirty="0" smtClean="0"/>
+              <a:t>Documentation of all hardware: mainly ICs, </a:t>
             </a:r>
             <a:r>
               <a:rPr lang="en-US" baseline="0" dirty="0" err="1" smtClean="0"/>
-              <a:t>iVotronic</a:t>
+              <a:t>gh</a:t>
             </a:r>
             <a:r>
               <a:rPr lang="en-US" baseline="0" dirty="0" smtClean="0"/>
-              <a:t> is what is known as a Direct Recording Electronic voting machine, or a DRE voting machine, for short. </a:t>
-            </a:r>
-          </a:p>
-          <a:p>
-            <a:endParaRPr lang="en-US" baseline="0" dirty="0" smtClean="0"/>
-          </a:p>
-          <a:p>
+              <a:t>-pages branch (</a:t>
+            </a:r>
+            <a:r>
+              <a:rPr lang="en-US" baseline="0" dirty="0" err="1" smtClean="0"/>
+              <a:t>github</a:t>
+            </a:r>
             <a:r>
               <a:rPr lang="en-US" baseline="0" dirty="0" smtClean="0"/>
-              <a:t>These systems are notorious for being both extremely vulnerable and buggy. If you google </a:t>
-            </a:r>
-            <a:r>
-              <a:rPr lang="en-US" baseline="0" dirty="0" err="1" smtClean="0"/>
-              <a:t>iVotronic</a:t>
-            </a:r>
+              <a:t> project website) is dedicated to this</a:t>
+            </a:r>
+          </a:p>
+          <a:p>
             <a:r>
               <a:rPr lang="en-US" baseline="0" dirty="0" smtClean="0"/>
-              <a:t> bad, multiple results will be returned to you where votes were flipped, not recorded, or just lost entirely. </a:t>
-            </a:r>
-            <a:endParaRPr lang="en-US" dirty="0"/>
+              <a:t>Main Goal: Dump the ROM and PEB in order to look for passwords, vulnerabilities, etc. </a:t>
+            </a:r>
+          </a:p>
+          <a:p>
+            <a:r>
+              <a:rPr lang="en-US" baseline="0" dirty="0" smtClean="0"/>
+              <a:t>If things go better than planned: Stretch Goals </a:t>
+            </a:r>
           </a:p>
         </p:txBody>
       </p:sp>
@@ -584,6 +626,94 @@
     <p:extLst>
       <p:ext uri="{BB962C8B-B14F-4D97-AF65-F5344CB8AC3E}">
         <p14:creationId xmlns:p14="http://schemas.microsoft.com/office/powerpoint/2010/main" val="1465714411"/>
+      </p:ext>
+    </p:extLst>
+  </p:cSld>
+  <p:clrMapOvr>
+    <a:masterClrMapping/>
+  </p:clrMapOvr>
+</p:notes>
+</file>
+
+<file path=ppt/notesSlides/notesSlide10.xml><?xml version="1.0" encoding="utf-8"?>
+<p:notes xmlns:a="http://schemas.openxmlformats.org/drawingml/2006/main" xmlns:r="http://schemas.openxmlformats.org/officeDocument/2006/relationships" xmlns:p="http://schemas.openxmlformats.org/presentationml/2006/main">
+  <p:cSld>
+    <p:spTree>
+      <p:nvGrpSpPr>
+        <p:cNvPr id="1" name=""/>
+        <p:cNvGrpSpPr/>
+        <p:nvPr/>
+      </p:nvGrpSpPr>
+      <p:grpSpPr>
+        <a:xfrm>
+          <a:off x="0" y="0"/>
+          <a:ext cx="0" cy="0"/>
+          <a:chOff x="0" y="0"/>
+          <a:chExt cx="0" cy="0"/>
+        </a:xfrm>
+      </p:grpSpPr>
+      <p:sp>
+        <p:nvSpPr>
+          <p:cNvPr id="2" name="Slide Image Placeholder 1"/>
+          <p:cNvSpPr>
+            <a:spLocks noGrp="1" noRot="1" noChangeAspect="1"/>
+          </p:cNvSpPr>
+          <p:nvPr>
+            <p:ph type="sldImg"/>
+          </p:nvPr>
+        </p:nvSpPr>
+        <p:spPr/>
+      </p:sp>
+      <p:sp>
+        <p:nvSpPr>
+          <p:cNvPr id="3" name="Notes Placeholder 2"/>
+          <p:cNvSpPr>
+            <a:spLocks noGrp="1"/>
+          </p:cNvSpPr>
+          <p:nvPr>
+            <p:ph type="body" idx="1"/>
+          </p:nvPr>
+        </p:nvSpPr>
+        <p:spPr/>
+        <p:txBody>
+          <a:bodyPr/>
+          <a:lstStyle/>
+          <a:p>
+            <a:r>
+              <a:rPr lang="en-US" dirty="0" smtClean="0"/>
+              <a:t>##Zac</a:t>
+            </a:r>
+            <a:endParaRPr lang="en-US" dirty="0"/>
+          </a:p>
+        </p:txBody>
+      </p:sp>
+      <p:sp>
+        <p:nvSpPr>
+          <p:cNvPr id="4" name="Slide Number Placeholder 3"/>
+          <p:cNvSpPr>
+            <a:spLocks noGrp="1"/>
+          </p:cNvSpPr>
+          <p:nvPr>
+            <p:ph type="sldNum" sz="quarter" idx="10"/>
+          </p:nvPr>
+        </p:nvSpPr>
+        <p:spPr/>
+        <p:txBody>
+          <a:bodyPr/>
+          <a:lstStyle/>
+          <a:p>
+            <a:fld id="{8115C4F8-F91D-4771-B91F-3F0C29BD2B91}" type="slidenum">
+              <a:rPr lang="en-US" smtClean="0"/>
+              <a:t>11</a:t>
+            </a:fld>
+            <a:endParaRPr lang="en-US"/>
+          </a:p>
+        </p:txBody>
+      </p:sp>
+    </p:spTree>
+    <p:extLst>
+      <p:ext uri="{BB962C8B-B14F-4D97-AF65-F5344CB8AC3E}">
+        <p14:creationId xmlns:p14="http://schemas.microsoft.com/office/powerpoint/2010/main" val="2342681882"/>
       </p:ext>
     </p:extLst>
   </p:cSld>
@@ -639,11 +769,38 @@
           <a:p>
             <a:r>
               <a:rPr lang="en-US" dirty="0" smtClean="0"/>
-              <a:t>Sacrificed first</a:t>
+              <a:t>##</a:t>
+            </a:r>
+            <a:r>
+              <a:rPr lang="en-US" dirty="0" err="1" smtClean="0"/>
+              <a:t>Myndert</a:t>
+            </a:r>
+            <a:endParaRPr lang="en-US" dirty="0" smtClean="0"/>
+          </a:p>
+          <a:p>
+            <a:r>
+              <a:rPr lang="en-US" dirty="0" smtClean="0"/>
+              <a:t>This is what</a:t>
             </a:r>
             <a:r>
               <a:rPr lang="en-US" baseline="0" dirty="0" smtClean="0"/>
-              <a:t> born son</a:t>
+              <a:t> a PEB looks like, you may have seen a poll worker slot this into the voting machine</a:t>
+            </a:r>
+          </a:p>
+          <a:p>
+            <a:r>
+              <a:rPr lang="en-US" baseline="0" dirty="0" smtClean="0"/>
+              <a:t>Contains poll/election data </a:t>
+            </a:r>
+          </a:p>
+          <a:p>
+            <a:r>
+              <a:rPr lang="en-US" baseline="0" dirty="0" smtClean="0"/>
+              <a:t>IR is used to communicate with the </a:t>
+            </a:r>
+            <a:r>
+              <a:rPr lang="en-US" baseline="0" dirty="0" err="1" smtClean="0"/>
+              <a:t>iVotronic</a:t>
             </a:r>
             <a:endParaRPr lang="en-US" dirty="0"/>
           </a:p>
@@ -666,7 +823,403 @@
           <a:p>
             <a:fld id="{8115C4F8-F91D-4771-B91F-3F0C29BD2B91}" type="slidenum">
               <a:rPr lang="en-US" smtClean="0"/>
+              <a:t>3</a:t>
+            </a:fld>
+            <a:endParaRPr lang="en-US"/>
+          </a:p>
+        </p:txBody>
+      </p:sp>
+    </p:spTree>
+    <p:extLst>
+      <p:ext uri="{BB962C8B-B14F-4D97-AF65-F5344CB8AC3E}">
+        <p14:creationId xmlns:p14="http://schemas.microsoft.com/office/powerpoint/2010/main" val="1265561592"/>
+      </p:ext>
+    </p:extLst>
+  </p:cSld>
+  <p:clrMapOvr>
+    <a:masterClrMapping/>
+  </p:clrMapOvr>
+</p:notes>
+</file>
+
+<file path=ppt/notesSlides/notesSlide3.xml><?xml version="1.0" encoding="utf-8"?>
+<p:notes xmlns:a="http://schemas.openxmlformats.org/drawingml/2006/main" xmlns:r="http://schemas.openxmlformats.org/officeDocument/2006/relationships" xmlns:p="http://schemas.openxmlformats.org/presentationml/2006/main">
+  <p:cSld>
+    <p:spTree>
+      <p:nvGrpSpPr>
+        <p:cNvPr id="1" name=""/>
+        <p:cNvGrpSpPr/>
+        <p:nvPr/>
+      </p:nvGrpSpPr>
+      <p:grpSpPr>
+        <a:xfrm>
+          <a:off x="0" y="0"/>
+          <a:ext cx="0" cy="0"/>
+          <a:chOff x="0" y="0"/>
+          <a:chExt cx="0" cy="0"/>
+        </a:xfrm>
+      </p:grpSpPr>
+      <p:sp>
+        <p:nvSpPr>
+          <p:cNvPr id="2" name="Slide Image Placeholder 1"/>
+          <p:cNvSpPr>
+            <a:spLocks noGrp="1" noRot="1" noChangeAspect="1"/>
+          </p:cNvSpPr>
+          <p:nvPr>
+            <p:ph type="sldImg"/>
+          </p:nvPr>
+        </p:nvSpPr>
+        <p:spPr/>
+      </p:sp>
+      <p:sp>
+        <p:nvSpPr>
+          <p:cNvPr id="3" name="Notes Placeholder 2"/>
+          <p:cNvSpPr>
+            <a:spLocks noGrp="1"/>
+          </p:cNvSpPr>
+          <p:nvPr>
+            <p:ph type="body" idx="1"/>
+          </p:nvPr>
+        </p:nvSpPr>
+        <p:spPr/>
+        <p:txBody>
+          <a:bodyPr/>
+          <a:lstStyle/>
+          <a:p>
+            <a:r>
+              <a:rPr lang="en-US" dirty="0" smtClean="0"/>
+              <a:t>##</a:t>
+            </a:r>
+            <a:r>
+              <a:rPr lang="en-US" dirty="0" err="1" smtClean="0"/>
+              <a:t>Myndert</a:t>
+            </a:r>
+            <a:endParaRPr lang="en-US" dirty="0" smtClean="0"/>
+          </a:p>
+          <a:p>
+            <a:r>
+              <a:rPr lang="en-US" dirty="0" smtClean="0"/>
+              <a:t>Inside of a PEB</a:t>
+            </a:r>
+            <a:endParaRPr lang="en-US" dirty="0"/>
+          </a:p>
+        </p:txBody>
+      </p:sp>
+      <p:sp>
+        <p:nvSpPr>
+          <p:cNvPr id="4" name="Slide Number Placeholder 3"/>
+          <p:cNvSpPr>
+            <a:spLocks noGrp="1"/>
+          </p:cNvSpPr>
+          <p:nvPr>
+            <p:ph type="sldNum" sz="quarter" idx="10"/>
+          </p:nvPr>
+        </p:nvSpPr>
+        <p:spPr/>
+        <p:txBody>
+          <a:bodyPr/>
+          <a:lstStyle/>
+          <a:p>
+            <a:fld id="{8115C4F8-F91D-4771-B91F-3F0C29BD2B91}" type="slidenum">
+              <a:rPr lang="en-US" smtClean="0"/>
+              <a:t>4</a:t>
+            </a:fld>
+            <a:endParaRPr lang="en-US"/>
+          </a:p>
+        </p:txBody>
+      </p:sp>
+    </p:spTree>
+    <p:extLst>
+      <p:ext uri="{BB962C8B-B14F-4D97-AF65-F5344CB8AC3E}">
+        <p14:creationId xmlns:p14="http://schemas.microsoft.com/office/powerpoint/2010/main" val="2539916913"/>
+      </p:ext>
+    </p:extLst>
+  </p:cSld>
+  <p:clrMapOvr>
+    <a:masterClrMapping/>
+  </p:clrMapOvr>
+</p:notes>
+</file>
+
+<file path=ppt/notesSlides/notesSlide4.xml><?xml version="1.0" encoding="utf-8"?>
+<p:notes xmlns:a="http://schemas.openxmlformats.org/drawingml/2006/main" xmlns:r="http://schemas.openxmlformats.org/officeDocument/2006/relationships" xmlns:p="http://schemas.openxmlformats.org/presentationml/2006/main">
+  <p:cSld>
+    <p:spTree>
+      <p:nvGrpSpPr>
+        <p:cNvPr id="1" name=""/>
+        <p:cNvGrpSpPr/>
+        <p:nvPr/>
+      </p:nvGrpSpPr>
+      <p:grpSpPr>
+        <a:xfrm>
+          <a:off x="0" y="0"/>
+          <a:ext cx="0" cy="0"/>
+          <a:chOff x="0" y="0"/>
+          <a:chExt cx="0" cy="0"/>
+        </a:xfrm>
+      </p:grpSpPr>
+      <p:sp>
+        <p:nvSpPr>
+          <p:cNvPr id="2" name="Slide Image Placeholder 1"/>
+          <p:cNvSpPr>
+            <a:spLocks noGrp="1" noRot="1" noChangeAspect="1"/>
+          </p:cNvSpPr>
+          <p:nvPr>
+            <p:ph type="sldImg"/>
+          </p:nvPr>
+        </p:nvSpPr>
+        <p:spPr/>
+      </p:sp>
+      <p:sp>
+        <p:nvSpPr>
+          <p:cNvPr id="3" name="Notes Placeholder 2"/>
+          <p:cNvSpPr>
+            <a:spLocks noGrp="1"/>
+          </p:cNvSpPr>
+          <p:nvPr>
+            <p:ph type="body" idx="1"/>
+          </p:nvPr>
+        </p:nvSpPr>
+        <p:spPr/>
+        <p:txBody>
+          <a:bodyPr/>
+          <a:lstStyle/>
+          <a:p>
+            <a:r>
+              <a:rPr lang="en-US" dirty="0" smtClean="0"/>
+              <a:t>##Zac</a:t>
+            </a:r>
+          </a:p>
+          <a:p>
+            <a:r>
+              <a:rPr lang="en-US" dirty="0" smtClean="0"/>
+              <a:t>This is the </a:t>
+            </a:r>
+            <a:r>
+              <a:rPr lang="en-US" dirty="0" err="1" smtClean="0"/>
+              <a:t>iVotronic</a:t>
+            </a:r>
+            <a:r>
+              <a:rPr lang="en-US" dirty="0" smtClean="0"/>
+              <a:t> machine,</a:t>
+            </a:r>
+            <a:r>
+              <a:rPr lang="en-US" baseline="0" dirty="0" smtClean="0"/>
+              <a:t> what you probably have used to vote on in the state of SC</a:t>
+            </a:r>
+          </a:p>
+          <a:p>
+            <a:endParaRPr lang="en-US" baseline="0" dirty="0" smtClean="0"/>
+          </a:p>
+        </p:txBody>
+      </p:sp>
+      <p:sp>
+        <p:nvSpPr>
+          <p:cNvPr id="4" name="Slide Number Placeholder 3"/>
+          <p:cNvSpPr>
+            <a:spLocks noGrp="1"/>
+          </p:cNvSpPr>
+          <p:nvPr>
+            <p:ph type="sldNum" sz="quarter" idx="10"/>
+          </p:nvPr>
+        </p:nvSpPr>
+        <p:spPr/>
+        <p:txBody>
+          <a:bodyPr/>
+          <a:lstStyle/>
+          <a:p>
+            <a:fld id="{8115C4F8-F91D-4771-B91F-3F0C29BD2B91}" type="slidenum">
+              <a:rPr lang="en-US" smtClean="0"/>
               <a:t>5</a:t>
+            </a:fld>
+            <a:endParaRPr lang="en-US"/>
+          </a:p>
+        </p:txBody>
+      </p:sp>
+    </p:spTree>
+    <p:extLst>
+      <p:ext uri="{BB962C8B-B14F-4D97-AF65-F5344CB8AC3E}">
+        <p14:creationId xmlns:p14="http://schemas.microsoft.com/office/powerpoint/2010/main" val="2360431652"/>
+      </p:ext>
+    </p:extLst>
+  </p:cSld>
+  <p:clrMapOvr>
+    <a:masterClrMapping/>
+  </p:clrMapOvr>
+</p:notes>
+</file>
+
+<file path=ppt/notesSlides/notesSlide5.xml><?xml version="1.0" encoding="utf-8"?>
+<p:notes xmlns:a="http://schemas.openxmlformats.org/drawingml/2006/main" xmlns:r="http://schemas.openxmlformats.org/officeDocument/2006/relationships" xmlns:p="http://schemas.openxmlformats.org/presentationml/2006/main">
+  <p:cSld>
+    <p:spTree>
+      <p:nvGrpSpPr>
+        <p:cNvPr id="1" name=""/>
+        <p:cNvGrpSpPr/>
+        <p:nvPr/>
+      </p:nvGrpSpPr>
+      <p:grpSpPr>
+        <a:xfrm>
+          <a:off x="0" y="0"/>
+          <a:ext cx="0" cy="0"/>
+          <a:chOff x="0" y="0"/>
+          <a:chExt cx="0" cy="0"/>
+        </a:xfrm>
+      </p:grpSpPr>
+      <p:sp>
+        <p:nvSpPr>
+          <p:cNvPr id="2" name="Slide Image Placeholder 1"/>
+          <p:cNvSpPr>
+            <a:spLocks noGrp="1" noRot="1" noChangeAspect="1"/>
+          </p:cNvSpPr>
+          <p:nvPr>
+            <p:ph type="sldImg"/>
+          </p:nvPr>
+        </p:nvSpPr>
+        <p:spPr/>
+      </p:sp>
+      <p:sp>
+        <p:nvSpPr>
+          <p:cNvPr id="3" name="Notes Placeholder 2"/>
+          <p:cNvSpPr>
+            <a:spLocks noGrp="1"/>
+          </p:cNvSpPr>
+          <p:nvPr>
+            <p:ph type="body" idx="1"/>
+          </p:nvPr>
+        </p:nvSpPr>
+        <p:spPr/>
+        <p:txBody>
+          <a:bodyPr/>
+          <a:lstStyle/>
+          <a:p>
+            <a:r>
+              <a:rPr lang="en-US" dirty="0" smtClean="0"/>
+              <a:t>##Zac</a:t>
+            </a:r>
+          </a:p>
+          <a:p>
+            <a:r>
+              <a:rPr lang="en-US" dirty="0" smtClean="0"/>
+              <a:t>Main</a:t>
+            </a:r>
+            <a:r>
+              <a:rPr lang="en-US" baseline="0" dirty="0" smtClean="0"/>
+              <a:t> board of </a:t>
+            </a:r>
+            <a:r>
+              <a:rPr lang="en-US" baseline="0" dirty="0" err="1" smtClean="0"/>
+              <a:t>iVotronic</a:t>
+            </a:r>
+            <a:endParaRPr lang="en-US" dirty="0"/>
+          </a:p>
+        </p:txBody>
+      </p:sp>
+      <p:sp>
+        <p:nvSpPr>
+          <p:cNvPr id="4" name="Slide Number Placeholder 3"/>
+          <p:cNvSpPr>
+            <a:spLocks noGrp="1"/>
+          </p:cNvSpPr>
+          <p:nvPr>
+            <p:ph type="sldNum" sz="quarter" idx="10"/>
+          </p:nvPr>
+        </p:nvSpPr>
+        <p:spPr/>
+        <p:txBody>
+          <a:bodyPr/>
+          <a:lstStyle/>
+          <a:p>
+            <a:fld id="{8115C4F8-F91D-4771-B91F-3F0C29BD2B91}" type="slidenum">
+              <a:rPr lang="en-US" smtClean="0"/>
+              <a:t>6</a:t>
+            </a:fld>
+            <a:endParaRPr lang="en-US"/>
+          </a:p>
+        </p:txBody>
+      </p:sp>
+    </p:spTree>
+    <p:extLst>
+      <p:ext uri="{BB962C8B-B14F-4D97-AF65-F5344CB8AC3E}">
+        <p14:creationId xmlns:p14="http://schemas.microsoft.com/office/powerpoint/2010/main" val="3131822496"/>
+      </p:ext>
+    </p:extLst>
+  </p:cSld>
+  <p:clrMapOvr>
+    <a:masterClrMapping/>
+  </p:clrMapOvr>
+</p:notes>
+</file>
+
+<file path=ppt/notesSlides/notesSlide6.xml><?xml version="1.0" encoding="utf-8"?>
+<p:notes xmlns:a="http://schemas.openxmlformats.org/drawingml/2006/main" xmlns:r="http://schemas.openxmlformats.org/officeDocument/2006/relationships" xmlns:p="http://schemas.openxmlformats.org/presentationml/2006/main">
+  <p:cSld>
+    <p:spTree>
+      <p:nvGrpSpPr>
+        <p:cNvPr id="1" name=""/>
+        <p:cNvGrpSpPr/>
+        <p:nvPr/>
+      </p:nvGrpSpPr>
+      <p:grpSpPr>
+        <a:xfrm>
+          <a:off x="0" y="0"/>
+          <a:ext cx="0" cy="0"/>
+          <a:chOff x="0" y="0"/>
+          <a:chExt cx="0" cy="0"/>
+        </a:xfrm>
+      </p:grpSpPr>
+      <p:sp>
+        <p:nvSpPr>
+          <p:cNvPr id="2" name="Slide Image Placeholder 1"/>
+          <p:cNvSpPr>
+            <a:spLocks noGrp="1" noRot="1" noChangeAspect="1"/>
+          </p:cNvSpPr>
+          <p:nvPr>
+            <p:ph type="sldImg"/>
+          </p:nvPr>
+        </p:nvSpPr>
+        <p:spPr/>
+      </p:sp>
+      <p:sp>
+        <p:nvSpPr>
+          <p:cNvPr id="3" name="Notes Placeholder 2"/>
+          <p:cNvSpPr>
+            <a:spLocks noGrp="1"/>
+          </p:cNvSpPr>
+          <p:nvPr>
+            <p:ph type="body" idx="1"/>
+          </p:nvPr>
+        </p:nvSpPr>
+        <p:spPr/>
+        <p:txBody>
+          <a:bodyPr/>
+          <a:lstStyle/>
+          <a:p>
+            <a:r>
+              <a:rPr lang="en-US" dirty="0" smtClean="0"/>
+              <a:t>##Philip</a:t>
+            </a:r>
+          </a:p>
+        </p:txBody>
+      </p:sp>
+      <p:sp>
+        <p:nvSpPr>
+          <p:cNvPr id="4" name="Slide Number Placeholder 3"/>
+          <p:cNvSpPr>
+            <a:spLocks noGrp="1"/>
+          </p:cNvSpPr>
+          <p:nvPr>
+            <p:ph type="sldNum" sz="quarter" idx="10"/>
+          </p:nvPr>
+        </p:nvSpPr>
+        <p:spPr/>
+        <p:txBody>
+          <a:bodyPr/>
+          <a:lstStyle/>
+          <a:p>
+            <a:fld id="{8115C4F8-F91D-4771-B91F-3F0C29BD2B91}" type="slidenum">
+              <a:rPr lang="en-US" smtClean="0"/>
+              <a:t>7</a:t>
             </a:fld>
             <a:endParaRPr lang="en-US"/>
           </a:p>
@@ -676,6 +1229,270 @@
     <p:extLst>
       <p:ext uri="{BB962C8B-B14F-4D97-AF65-F5344CB8AC3E}">
         <p14:creationId xmlns:p14="http://schemas.microsoft.com/office/powerpoint/2010/main" val="649471463"/>
+      </p:ext>
+    </p:extLst>
+  </p:cSld>
+  <p:clrMapOvr>
+    <a:masterClrMapping/>
+  </p:clrMapOvr>
+</p:notes>
+</file>
+
+<file path=ppt/notesSlides/notesSlide7.xml><?xml version="1.0" encoding="utf-8"?>
+<p:notes xmlns:a="http://schemas.openxmlformats.org/drawingml/2006/main" xmlns:r="http://schemas.openxmlformats.org/officeDocument/2006/relationships" xmlns:p="http://schemas.openxmlformats.org/presentationml/2006/main">
+  <p:cSld>
+    <p:spTree>
+      <p:nvGrpSpPr>
+        <p:cNvPr id="1" name=""/>
+        <p:cNvGrpSpPr/>
+        <p:nvPr/>
+      </p:nvGrpSpPr>
+      <p:grpSpPr>
+        <a:xfrm>
+          <a:off x="0" y="0"/>
+          <a:ext cx="0" cy="0"/>
+          <a:chOff x="0" y="0"/>
+          <a:chExt cx="0" cy="0"/>
+        </a:xfrm>
+      </p:grpSpPr>
+      <p:sp>
+        <p:nvSpPr>
+          <p:cNvPr id="2" name="Slide Image Placeholder 1"/>
+          <p:cNvSpPr>
+            <a:spLocks noGrp="1" noRot="1" noChangeAspect="1"/>
+          </p:cNvSpPr>
+          <p:nvPr>
+            <p:ph type="sldImg"/>
+          </p:nvPr>
+        </p:nvSpPr>
+        <p:spPr/>
+      </p:sp>
+      <p:sp>
+        <p:nvSpPr>
+          <p:cNvPr id="3" name="Notes Placeholder 2"/>
+          <p:cNvSpPr>
+            <a:spLocks noGrp="1"/>
+          </p:cNvSpPr>
+          <p:nvPr>
+            <p:ph type="body" idx="1"/>
+          </p:nvPr>
+        </p:nvSpPr>
+        <p:spPr/>
+        <p:txBody>
+          <a:bodyPr/>
+          <a:lstStyle/>
+          <a:p>
+            <a:r>
+              <a:rPr lang="en-US" dirty="0" smtClean="0"/>
+              <a:t>##Philip</a:t>
+            </a:r>
+            <a:endParaRPr lang="en-US" dirty="0"/>
+          </a:p>
+        </p:txBody>
+      </p:sp>
+      <p:sp>
+        <p:nvSpPr>
+          <p:cNvPr id="4" name="Slide Number Placeholder 3"/>
+          <p:cNvSpPr>
+            <a:spLocks noGrp="1"/>
+          </p:cNvSpPr>
+          <p:nvPr>
+            <p:ph type="sldNum" sz="quarter" idx="10"/>
+          </p:nvPr>
+        </p:nvSpPr>
+        <p:spPr/>
+        <p:txBody>
+          <a:bodyPr/>
+          <a:lstStyle/>
+          <a:p>
+            <a:fld id="{8115C4F8-F91D-4771-B91F-3F0C29BD2B91}" type="slidenum">
+              <a:rPr lang="en-US" smtClean="0"/>
+              <a:t>8</a:t>
+            </a:fld>
+            <a:endParaRPr lang="en-US"/>
+          </a:p>
+        </p:txBody>
+      </p:sp>
+    </p:spTree>
+    <p:extLst>
+      <p:ext uri="{BB962C8B-B14F-4D97-AF65-F5344CB8AC3E}">
+        <p14:creationId xmlns:p14="http://schemas.microsoft.com/office/powerpoint/2010/main" val="2265177264"/>
+      </p:ext>
+    </p:extLst>
+  </p:cSld>
+  <p:clrMapOvr>
+    <a:masterClrMapping/>
+  </p:clrMapOvr>
+</p:notes>
+</file>
+
+<file path=ppt/notesSlides/notesSlide8.xml><?xml version="1.0" encoding="utf-8"?>
+<p:notes xmlns:a="http://schemas.openxmlformats.org/drawingml/2006/main" xmlns:r="http://schemas.openxmlformats.org/officeDocument/2006/relationships" xmlns:p="http://schemas.openxmlformats.org/presentationml/2006/main">
+  <p:cSld>
+    <p:spTree>
+      <p:nvGrpSpPr>
+        <p:cNvPr id="1" name=""/>
+        <p:cNvGrpSpPr/>
+        <p:nvPr/>
+      </p:nvGrpSpPr>
+      <p:grpSpPr>
+        <a:xfrm>
+          <a:off x="0" y="0"/>
+          <a:ext cx="0" cy="0"/>
+          <a:chOff x="0" y="0"/>
+          <a:chExt cx="0" cy="0"/>
+        </a:xfrm>
+      </p:grpSpPr>
+      <p:sp>
+        <p:nvSpPr>
+          <p:cNvPr id="2" name="Slide Image Placeholder 1"/>
+          <p:cNvSpPr>
+            <a:spLocks noGrp="1" noRot="1" noChangeAspect="1"/>
+          </p:cNvSpPr>
+          <p:nvPr>
+            <p:ph type="sldImg"/>
+          </p:nvPr>
+        </p:nvSpPr>
+        <p:spPr/>
+      </p:sp>
+      <p:sp>
+        <p:nvSpPr>
+          <p:cNvPr id="3" name="Notes Placeholder 2"/>
+          <p:cNvSpPr>
+            <a:spLocks noGrp="1"/>
+          </p:cNvSpPr>
+          <p:nvPr>
+            <p:ph type="body" idx="1"/>
+          </p:nvPr>
+        </p:nvSpPr>
+        <p:spPr/>
+        <p:txBody>
+          <a:bodyPr/>
+          <a:lstStyle/>
+          <a:p>
+            <a:r>
+              <a:rPr lang="en-US" dirty="0" smtClean="0"/>
+              <a:t>##Philip</a:t>
+            </a:r>
+            <a:endParaRPr lang="en-US" dirty="0"/>
+          </a:p>
+        </p:txBody>
+      </p:sp>
+      <p:sp>
+        <p:nvSpPr>
+          <p:cNvPr id="4" name="Slide Number Placeholder 3"/>
+          <p:cNvSpPr>
+            <a:spLocks noGrp="1"/>
+          </p:cNvSpPr>
+          <p:nvPr>
+            <p:ph type="sldNum" sz="quarter" idx="10"/>
+          </p:nvPr>
+        </p:nvSpPr>
+        <p:spPr/>
+        <p:txBody>
+          <a:bodyPr/>
+          <a:lstStyle/>
+          <a:p>
+            <a:fld id="{8115C4F8-F91D-4771-B91F-3F0C29BD2B91}" type="slidenum">
+              <a:rPr lang="en-US" smtClean="0"/>
+              <a:t>9</a:t>
+            </a:fld>
+            <a:endParaRPr lang="en-US"/>
+          </a:p>
+        </p:txBody>
+      </p:sp>
+    </p:spTree>
+    <p:extLst>
+      <p:ext uri="{BB962C8B-B14F-4D97-AF65-F5344CB8AC3E}">
+        <p14:creationId xmlns:p14="http://schemas.microsoft.com/office/powerpoint/2010/main" val="1551817158"/>
+      </p:ext>
+    </p:extLst>
+  </p:cSld>
+  <p:clrMapOvr>
+    <a:masterClrMapping/>
+  </p:clrMapOvr>
+</p:notes>
+</file>
+
+<file path=ppt/notesSlides/notesSlide9.xml><?xml version="1.0" encoding="utf-8"?>
+<p:notes xmlns:a="http://schemas.openxmlformats.org/drawingml/2006/main" xmlns:r="http://schemas.openxmlformats.org/officeDocument/2006/relationships" xmlns:p="http://schemas.openxmlformats.org/presentationml/2006/main">
+  <p:cSld>
+    <p:spTree>
+      <p:nvGrpSpPr>
+        <p:cNvPr id="1" name=""/>
+        <p:cNvGrpSpPr/>
+        <p:nvPr/>
+      </p:nvGrpSpPr>
+      <p:grpSpPr>
+        <a:xfrm>
+          <a:off x="0" y="0"/>
+          <a:ext cx="0" cy="0"/>
+          <a:chOff x="0" y="0"/>
+          <a:chExt cx="0" cy="0"/>
+        </a:xfrm>
+      </p:grpSpPr>
+      <p:sp>
+        <p:nvSpPr>
+          <p:cNvPr id="2" name="Slide Image Placeholder 1"/>
+          <p:cNvSpPr>
+            <a:spLocks noGrp="1" noRot="1" noChangeAspect="1"/>
+          </p:cNvSpPr>
+          <p:nvPr>
+            <p:ph type="sldImg"/>
+          </p:nvPr>
+        </p:nvSpPr>
+        <p:spPr/>
+      </p:sp>
+      <p:sp>
+        <p:nvSpPr>
+          <p:cNvPr id="3" name="Notes Placeholder 2"/>
+          <p:cNvSpPr>
+            <a:spLocks noGrp="1"/>
+          </p:cNvSpPr>
+          <p:nvPr>
+            <p:ph type="body" idx="1"/>
+          </p:nvPr>
+        </p:nvSpPr>
+        <p:spPr/>
+        <p:txBody>
+          <a:bodyPr/>
+          <a:lstStyle/>
+          <a:p>
+            <a:r>
+              <a:rPr lang="en-US" dirty="0" smtClean="0"/>
+              <a:t>##Philip</a:t>
+            </a:r>
+            <a:endParaRPr lang="en-US" dirty="0"/>
+          </a:p>
+        </p:txBody>
+      </p:sp>
+      <p:sp>
+        <p:nvSpPr>
+          <p:cNvPr id="4" name="Slide Number Placeholder 3"/>
+          <p:cNvSpPr>
+            <a:spLocks noGrp="1"/>
+          </p:cNvSpPr>
+          <p:nvPr>
+            <p:ph type="sldNum" sz="quarter" idx="10"/>
+          </p:nvPr>
+        </p:nvSpPr>
+        <p:spPr/>
+        <p:txBody>
+          <a:bodyPr/>
+          <a:lstStyle/>
+          <a:p>
+            <a:fld id="{8115C4F8-F91D-4771-B91F-3F0C29BD2B91}" type="slidenum">
+              <a:rPr lang="en-US" smtClean="0"/>
+              <a:t>10</a:t>
+            </a:fld>
+            <a:endParaRPr lang="en-US"/>
+          </a:p>
+        </p:txBody>
+      </p:sp>
+    </p:spTree>
+    <p:extLst>
+      <p:ext uri="{BB962C8B-B14F-4D97-AF65-F5344CB8AC3E}">
+        <p14:creationId xmlns:p14="http://schemas.microsoft.com/office/powerpoint/2010/main" val="1398519769"/>
       </p:ext>
     </p:extLst>
   </p:cSld>
@@ -816,7 +1633,7 @@
           <a:p>
             <a:fld id="{1C26BD7D-F2A1-4FB1-9A8D-81ED874298C1}" type="datetimeFigureOut">
               <a:rPr lang="en-US" smtClean="0"/>
-              <a:t>11/19/2015</a:t>
+              <a:t>12/5/2015</a:t>
             </a:fld>
             <a:endParaRPr lang="en-US"/>
           </a:p>
@@ -986,7 +1803,7 @@
           <a:p>
             <a:fld id="{1C26BD7D-F2A1-4FB1-9A8D-81ED874298C1}" type="datetimeFigureOut">
               <a:rPr lang="en-US" smtClean="0"/>
-              <a:t>11/19/2015</a:t>
+              <a:t>12/5/2015</a:t>
             </a:fld>
             <a:endParaRPr lang="en-US"/>
           </a:p>
@@ -1166,7 +1983,7 @@
           <a:p>
             <a:fld id="{1C26BD7D-F2A1-4FB1-9A8D-81ED874298C1}" type="datetimeFigureOut">
               <a:rPr lang="en-US" smtClean="0"/>
-              <a:t>11/19/2015</a:t>
+              <a:t>12/5/2015</a:t>
             </a:fld>
             <a:endParaRPr lang="en-US"/>
           </a:p>
@@ -1336,7 +2153,7 @@
           <a:p>
             <a:fld id="{1C26BD7D-F2A1-4FB1-9A8D-81ED874298C1}" type="datetimeFigureOut">
               <a:rPr lang="en-US" smtClean="0"/>
-              <a:t>11/19/2015</a:t>
+              <a:t>12/5/2015</a:t>
             </a:fld>
             <a:endParaRPr lang="en-US"/>
           </a:p>
@@ -1580,7 +2397,7 @@
           <a:p>
             <a:fld id="{1C26BD7D-F2A1-4FB1-9A8D-81ED874298C1}" type="datetimeFigureOut">
               <a:rPr lang="en-US" smtClean="0"/>
-              <a:t>11/19/2015</a:t>
+              <a:t>12/5/2015</a:t>
             </a:fld>
             <a:endParaRPr lang="en-US"/>
           </a:p>
@@ -1812,7 +2629,7 @@
           <a:p>
             <a:fld id="{1C26BD7D-F2A1-4FB1-9A8D-81ED874298C1}" type="datetimeFigureOut">
               <a:rPr lang="en-US" smtClean="0"/>
-              <a:t>11/19/2015</a:t>
+              <a:t>12/5/2015</a:t>
             </a:fld>
             <a:endParaRPr lang="en-US"/>
           </a:p>
@@ -2179,7 +2996,7 @@
           <a:p>
             <a:fld id="{1C26BD7D-F2A1-4FB1-9A8D-81ED874298C1}" type="datetimeFigureOut">
               <a:rPr lang="en-US" smtClean="0"/>
-              <a:t>11/19/2015</a:t>
+              <a:t>12/5/2015</a:t>
             </a:fld>
             <a:endParaRPr lang="en-US"/>
           </a:p>
@@ -2297,7 +3114,7 @@
           <a:p>
             <a:fld id="{1C26BD7D-F2A1-4FB1-9A8D-81ED874298C1}" type="datetimeFigureOut">
               <a:rPr lang="en-US" smtClean="0"/>
-              <a:t>11/19/2015</a:t>
+              <a:t>12/5/2015</a:t>
             </a:fld>
             <a:endParaRPr lang="en-US"/>
           </a:p>
@@ -2392,7 +3209,7 @@
           <a:p>
             <a:fld id="{1C26BD7D-F2A1-4FB1-9A8D-81ED874298C1}" type="datetimeFigureOut">
               <a:rPr lang="en-US" smtClean="0"/>
-              <a:t>11/19/2015</a:t>
+              <a:t>12/5/2015</a:t>
             </a:fld>
             <a:endParaRPr lang="en-US"/>
           </a:p>
@@ -2669,7 +3486,7 @@
           <a:p>
             <a:fld id="{1C26BD7D-F2A1-4FB1-9A8D-81ED874298C1}" type="datetimeFigureOut">
               <a:rPr lang="en-US" smtClean="0"/>
-              <a:t>11/19/2015</a:t>
+              <a:t>12/5/2015</a:t>
             </a:fld>
             <a:endParaRPr lang="en-US"/>
           </a:p>
@@ -2926,7 +3743,7 @@
           <a:p>
             <a:fld id="{1C26BD7D-F2A1-4FB1-9A8D-81ED874298C1}" type="datetimeFigureOut">
               <a:rPr lang="en-US" smtClean="0"/>
-              <a:t>11/19/2015</a:t>
+              <a:t>12/5/2015</a:t>
             </a:fld>
             <a:endParaRPr lang="en-US"/>
           </a:p>
@@ -3139,7 +3956,7 @@
           <a:p>
             <a:fld id="{1C26BD7D-F2A1-4FB1-9A8D-81ED874298C1}" type="datetimeFigureOut">
               <a:rPr lang="en-US" smtClean="0"/>
-              <a:t>11/19/2015</a:t>
+              <a:t>12/5/2015</a:t>
             </a:fld>
             <a:endParaRPr lang="en-US"/>
           </a:p>
@@ -3645,6 +4462,221 @@
 </p:sld>
 </file>
 
+<file path=ppt/slides/slide10.xml><?xml version="1.0" encoding="utf-8"?>
+<p:sld xmlns:a="http://schemas.openxmlformats.org/drawingml/2006/main" xmlns:r="http://schemas.openxmlformats.org/officeDocument/2006/relationships" xmlns:p="http://schemas.openxmlformats.org/presentationml/2006/main">
+  <p:cSld>
+    <p:spTree>
+      <p:nvGrpSpPr>
+        <p:cNvPr id="1" name=""/>
+        <p:cNvGrpSpPr/>
+        <p:nvPr/>
+      </p:nvGrpSpPr>
+      <p:grpSpPr>
+        <a:xfrm>
+          <a:off x="0" y="0"/>
+          <a:ext cx="0" cy="0"/>
+          <a:chOff x="0" y="0"/>
+          <a:chExt cx="0" cy="0"/>
+        </a:xfrm>
+      </p:grpSpPr>
+      <p:sp>
+        <p:nvSpPr>
+          <p:cNvPr id="2" name="Title 1"/>
+          <p:cNvSpPr>
+            <a:spLocks noGrp="1"/>
+          </p:cNvSpPr>
+          <p:nvPr>
+            <p:ph type="title"/>
+          </p:nvPr>
+        </p:nvSpPr>
+        <p:spPr/>
+        <p:txBody>
+          <a:bodyPr/>
+          <a:lstStyle/>
+          <a:p>
+            <a:r>
+              <a:rPr lang="en-US" dirty="0" err="1" smtClean="0"/>
+              <a:t>iVotronic</a:t>
+            </a:r>
+            <a:r>
+              <a:rPr lang="en-US" dirty="0" smtClean="0"/>
+              <a:t> Hex Dump</a:t>
+            </a:r>
+            <a:endParaRPr lang="en-US" dirty="0"/>
+          </a:p>
+        </p:txBody>
+      </p:sp>
+      <p:sp>
+        <p:nvSpPr>
+          <p:cNvPr id="3" name="Content Placeholder 2"/>
+          <p:cNvSpPr>
+            <a:spLocks noGrp="1"/>
+          </p:cNvSpPr>
+          <p:nvPr>
+            <p:ph idx="1"/>
+          </p:nvPr>
+        </p:nvSpPr>
+        <p:spPr/>
+        <p:txBody>
+          <a:bodyPr/>
+          <a:lstStyle/>
+          <a:p>
+            <a:r>
+              <a:rPr lang="en-US" dirty="0" smtClean="0"/>
+              <a:t>Hardware planning to be used: Bus Pirate</a:t>
+            </a:r>
+          </a:p>
+          <a:p>
+            <a:r>
+              <a:rPr lang="en-US" dirty="0" smtClean="0"/>
+              <a:t>Software planning to be used: TBD</a:t>
+            </a:r>
+          </a:p>
+          <a:p>
+            <a:r>
+              <a:rPr lang="en-US" dirty="0" smtClean="0"/>
+              <a:t>JTAG Port will be used to </a:t>
+            </a:r>
+            <a:r>
+              <a:rPr lang="en-US" dirty="0" smtClean="0"/>
+              <a:t>obtain data</a:t>
+            </a:r>
+            <a:endParaRPr lang="en-US" dirty="0" smtClean="0"/>
+          </a:p>
+          <a:p>
+            <a:endParaRPr lang="en-US" dirty="0"/>
+          </a:p>
+        </p:txBody>
+      </p:sp>
+    </p:spTree>
+    <p:extLst>
+      <p:ext uri="{BB962C8B-B14F-4D97-AF65-F5344CB8AC3E}">
+        <p14:creationId xmlns:p14="http://schemas.microsoft.com/office/powerpoint/2010/main" val="1362038670"/>
+      </p:ext>
+    </p:extLst>
+  </p:cSld>
+  <p:clrMapOvr>
+    <a:masterClrMapping/>
+  </p:clrMapOvr>
+  <p:timing>
+    <p:tnLst>
+      <p:par>
+        <p:cTn id="1" dur="indefinite" restart="never" nodeType="tmRoot"/>
+      </p:par>
+    </p:tnLst>
+  </p:timing>
+</p:sld>
+</file>
+
+<file path=ppt/slides/slide11.xml><?xml version="1.0" encoding="utf-8"?>
+<p:sld xmlns:a="http://schemas.openxmlformats.org/drawingml/2006/main" xmlns:r="http://schemas.openxmlformats.org/officeDocument/2006/relationships" xmlns:p="http://schemas.openxmlformats.org/presentationml/2006/main">
+  <p:cSld>
+    <p:spTree>
+      <p:nvGrpSpPr>
+        <p:cNvPr id="1" name=""/>
+        <p:cNvGrpSpPr/>
+        <p:nvPr/>
+      </p:nvGrpSpPr>
+      <p:grpSpPr>
+        <a:xfrm>
+          <a:off x="0" y="0"/>
+          <a:ext cx="0" cy="0"/>
+          <a:chOff x="0" y="0"/>
+          <a:chExt cx="0" cy="0"/>
+        </a:xfrm>
+      </p:grpSpPr>
+      <p:sp>
+        <p:nvSpPr>
+          <p:cNvPr id="2" name="Title 1"/>
+          <p:cNvSpPr>
+            <a:spLocks noGrp="1"/>
+          </p:cNvSpPr>
+          <p:nvPr>
+            <p:ph type="title"/>
+          </p:nvPr>
+        </p:nvSpPr>
+        <p:spPr/>
+        <p:txBody>
+          <a:bodyPr/>
+          <a:lstStyle/>
+          <a:p>
+            <a:r>
+              <a:rPr lang="en-US" dirty="0" smtClean="0"/>
+              <a:t>Progression of Goals</a:t>
+            </a:r>
+            <a:endParaRPr lang="en-US" dirty="0"/>
+          </a:p>
+        </p:txBody>
+      </p:sp>
+      <p:sp>
+        <p:nvSpPr>
+          <p:cNvPr id="3" name="Content Placeholder 2"/>
+          <p:cNvSpPr>
+            <a:spLocks noGrp="1"/>
+          </p:cNvSpPr>
+          <p:nvPr>
+            <p:ph idx="1"/>
+          </p:nvPr>
+        </p:nvSpPr>
+        <p:spPr/>
+        <p:txBody>
+          <a:bodyPr/>
+          <a:lstStyle/>
+          <a:p>
+            <a:r>
+              <a:rPr lang="en-US" dirty="0" smtClean="0"/>
+              <a:t>Complete hardware inventory ~(95%)</a:t>
+            </a:r>
+          </a:p>
+          <a:p>
+            <a:r>
+              <a:rPr lang="en-US" dirty="0" smtClean="0"/>
+              <a:t>PEB </a:t>
+            </a:r>
+            <a:r>
+              <a:rPr lang="en-US" dirty="0"/>
+              <a:t>h</a:t>
+            </a:r>
+            <a:r>
+              <a:rPr lang="en-US" dirty="0" smtClean="0"/>
+              <a:t>ex dump ~(60%)</a:t>
+            </a:r>
+          </a:p>
+          <a:p>
+            <a:r>
+              <a:rPr lang="en-US" dirty="0" err="1" smtClean="0"/>
+              <a:t>iVotronic</a:t>
+            </a:r>
+            <a:r>
+              <a:rPr lang="en-US" dirty="0" smtClean="0"/>
+              <a:t> hex dump ~(5%)</a:t>
+            </a:r>
+          </a:p>
+          <a:p>
+            <a:endParaRPr lang="en-US" dirty="0"/>
+          </a:p>
+        </p:txBody>
+      </p:sp>
+    </p:spTree>
+    <p:extLst>
+      <p:ext uri="{BB962C8B-B14F-4D97-AF65-F5344CB8AC3E}">
+        <p14:creationId xmlns:p14="http://schemas.microsoft.com/office/powerpoint/2010/main" val="4020037087"/>
+      </p:ext>
+    </p:extLst>
+  </p:cSld>
+  <p:clrMapOvr>
+    <a:masterClrMapping/>
+  </p:clrMapOvr>
+  <p:timing>
+    <p:tnLst>
+      <p:par>
+        <p:cTn id="1" dur="indefinite" restart="never" nodeType="tmRoot"/>
+      </p:par>
+    </p:tnLst>
+  </p:timing>
+</p:sld>
+</file>
+
 <file path=ppt/slides/slide2.xml><?xml version="1.0" encoding="utf-8"?>
 <p:sld xmlns:a="http://schemas.openxmlformats.org/drawingml/2006/main" xmlns:r="http://schemas.openxmlformats.org/officeDocument/2006/relationships" xmlns:p="http://schemas.openxmlformats.org/presentationml/2006/main">
   <p:cSld>
@@ -3738,8 +4770,21 @@
             <a:pPr lvl="2"/>
             <a:r>
               <a:rPr lang="en-US" dirty="0" smtClean="0"/>
-              <a:t>Includes finding chip datasheets</a:t>
-            </a:r>
+              <a:t>Includes finding chip </a:t>
+            </a:r>
+            <a:r>
+              <a:rPr lang="en-US" dirty="0" smtClean="0"/>
+              <a:t>datasheets, </a:t>
+            </a:r>
+            <a:r>
+              <a:rPr lang="en-US" dirty="0" err="1" smtClean="0"/>
+              <a:t>gh</a:t>
+            </a:r>
+            <a:r>
+              <a:rPr lang="en-US" dirty="0" smtClean="0"/>
+              <a:t>-pages branch</a:t>
+            </a:r>
+            <a:endParaRPr lang="en-US" dirty="0" smtClean="0"/>
           </a:p>
           <a:p>
             <a:pPr lvl="1"/>
@@ -3856,6 +4901,107 @@
       </p:sp>
       <p:pic>
         <p:nvPicPr>
+          <p:cNvPr id="1026" name="Picture 2" descr="http://usenix.org/legacy/event/evt08/tech/full_papers/aviv/aviv_html/peb.jpg"/>
+          <p:cNvPicPr>
+            <a:picLocks noChangeAspect="1" noChangeArrowheads="1"/>
+          </p:cNvPicPr>
+          <p:nvPr/>
+        </p:nvPicPr>
+        <p:blipFill>
+          <a:blip r:embed="rId3">
+            <a:extLst>
+              <a:ext uri="{28A0092B-C50C-407E-A947-70E740481C1C}">
+                <a14:useLocalDpi xmlns:a14="http://schemas.microsoft.com/office/drawing/2010/main" val="0"/>
+              </a:ext>
+            </a:extLst>
+          </a:blip>
+          <a:srcRect/>
+          <a:stretch>
+            <a:fillRect/>
+          </a:stretch>
+        </p:blipFill>
+        <p:spPr bwMode="auto">
+          <a:xfrm>
+            <a:off x="1145431" y="1690689"/>
+            <a:ext cx="6853138" cy="4570990"/>
+          </a:xfrm>
+          <a:prstGeom prst="rect">
+            <a:avLst/>
+          </a:prstGeom>
+          <a:noFill/>
+          <a:extLst>
+            <a:ext uri="{909E8E84-426E-40DD-AFC4-6F175D3DCCD1}">
+              <a14:hiddenFill xmlns:a14="http://schemas.microsoft.com/office/drawing/2010/main">
+                <a:solidFill>
+                  <a:srgbClr val="FFFFFF"/>
+                </a:solidFill>
+              </a14:hiddenFill>
+            </a:ext>
+          </a:extLst>
+        </p:spPr>
+      </p:pic>
+    </p:spTree>
+    <p:extLst>
+      <p:ext uri="{BB962C8B-B14F-4D97-AF65-F5344CB8AC3E}">
+        <p14:creationId xmlns:p14="http://schemas.microsoft.com/office/powerpoint/2010/main" val="1125794299"/>
+      </p:ext>
+    </p:extLst>
+  </p:cSld>
+  <p:clrMapOvr>
+    <a:masterClrMapping/>
+  </p:clrMapOvr>
+  <p:timing>
+    <p:tnLst>
+      <p:par>
+        <p:cTn id="1" dur="indefinite" restart="never" nodeType="tmRoot"/>
+      </p:par>
+    </p:tnLst>
+  </p:timing>
+</p:sld>
+</file>
+
+<file path=ppt/slides/slide4.xml><?xml version="1.0" encoding="utf-8"?>
+<p:sld xmlns:a="http://schemas.openxmlformats.org/drawingml/2006/main" xmlns:r="http://schemas.openxmlformats.org/officeDocument/2006/relationships" xmlns:p="http://schemas.openxmlformats.org/presentationml/2006/main">
+  <p:cSld>
+    <p:spTree>
+      <p:nvGrpSpPr>
+        <p:cNvPr id="1" name=""/>
+        <p:cNvGrpSpPr/>
+        <p:nvPr/>
+      </p:nvGrpSpPr>
+      <p:grpSpPr>
+        <a:xfrm>
+          <a:off x="0" y="0"/>
+          <a:ext cx="0" cy="0"/>
+          <a:chOff x="0" y="0"/>
+          <a:chExt cx="0" cy="0"/>
+        </a:xfrm>
+      </p:grpSpPr>
+      <p:sp>
+        <p:nvSpPr>
+          <p:cNvPr id="2" name="Title 1"/>
+          <p:cNvSpPr>
+            <a:spLocks noGrp="1"/>
+          </p:cNvSpPr>
+          <p:nvPr>
+            <p:ph type="title"/>
+          </p:nvPr>
+        </p:nvSpPr>
+        <p:spPr/>
+        <p:txBody>
+          <a:bodyPr/>
+          <a:lstStyle/>
+          <a:p>
+            <a:r>
+              <a:rPr lang="en-US" dirty="0" smtClean="0"/>
+              <a:t>Disassembly (PEB)</a:t>
+            </a:r>
+            <a:endParaRPr lang="en-US" dirty="0"/>
+          </a:p>
+        </p:txBody>
+      </p:sp>
+      <p:pic>
+        <p:nvPicPr>
           <p:cNvPr id="5" name="Picture 4"/>
           <p:cNvPicPr>
             <a:picLocks noChangeAspect="1"/>
@@ -3863,7 +5009,7 @@
           <p:nvPr/>
         </p:nvPicPr>
         <p:blipFill>
-          <a:blip r:embed="rId2" cstate="print">
+          <a:blip r:embed="rId3" cstate="print">
             <a:extLst>
               <a:ext uri="{28A0092B-C50C-407E-A947-70E740481C1C}">
                 <a14:useLocalDpi xmlns:a14="http://schemas.microsoft.com/office/drawing/2010/main" val="0"/>
@@ -3904,7 +5050,7 @@
 </p:sld>
 </file>
 
-<file path=ppt/slides/slide4.xml><?xml version="1.0" encoding="utf-8"?>
+<file path=ppt/slides/slide5.xml><?xml version="1.0" encoding="utf-8"?>
 <p:sld xmlns:a="http://schemas.openxmlformats.org/drawingml/2006/main" xmlns:r="http://schemas.openxmlformats.org/officeDocument/2006/relationships" xmlns:p="http://schemas.openxmlformats.org/presentationml/2006/main">
   <p:cSld>
     <p:spTree>
@@ -3954,6 +5100,115 @@
       </p:sp>
       <p:pic>
         <p:nvPicPr>
+          <p:cNvPr id="2050" name="Picture 2" descr="http://www.essvote.com/images/gallery/original/iVotronic_1.jpg"/>
+          <p:cNvPicPr>
+            <a:picLocks noChangeAspect="1" noChangeArrowheads="1"/>
+          </p:cNvPicPr>
+          <p:nvPr/>
+        </p:nvPicPr>
+        <p:blipFill>
+          <a:blip r:embed="rId3">
+            <a:extLst>
+              <a:ext uri="{28A0092B-C50C-407E-A947-70E740481C1C}">
+                <a14:useLocalDpi xmlns:a14="http://schemas.microsoft.com/office/drawing/2010/main" val="0"/>
+              </a:ext>
+            </a:extLst>
+          </a:blip>
+          <a:srcRect/>
+          <a:stretch>
+            <a:fillRect/>
+          </a:stretch>
+        </p:blipFill>
+        <p:spPr bwMode="auto">
+          <a:xfrm>
+            <a:off x="1238250" y="1690689"/>
+            <a:ext cx="6667500" cy="4476751"/>
+          </a:xfrm>
+          <a:prstGeom prst="rect">
+            <a:avLst/>
+          </a:prstGeom>
+          <a:noFill/>
+          <a:extLst>
+            <a:ext uri="{909E8E84-426E-40DD-AFC4-6F175D3DCCD1}">
+              <a14:hiddenFill xmlns:a14="http://schemas.microsoft.com/office/drawing/2010/main">
+                <a:solidFill>
+                  <a:srgbClr val="FFFFFF"/>
+                </a:solidFill>
+              </a14:hiddenFill>
+            </a:ext>
+          </a:extLst>
+        </p:spPr>
+      </p:pic>
+    </p:spTree>
+    <p:extLst>
+      <p:ext uri="{BB962C8B-B14F-4D97-AF65-F5344CB8AC3E}">
+        <p14:creationId xmlns:p14="http://schemas.microsoft.com/office/powerpoint/2010/main" val="2016640561"/>
+      </p:ext>
+    </p:extLst>
+  </p:cSld>
+  <p:clrMapOvr>
+    <a:masterClrMapping/>
+  </p:clrMapOvr>
+  <p:timing>
+    <p:tnLst>
+      <p:par>
+        <p:cTn id="1" dur="indefinite" restart="never" nodeType="tmRoot"/>
+      </p:par>
+    </p:tnLst>
+  </p:timing>
+</p:sld>
+</file>
+
+<file path=ppt/slides/slide6.xml><?xml version="1.0" encoding="utf-8"?>
+<p:sld xmlns:a="http://schemas.openxmlformats.org/drawingml/2006/main" xmlns:r="http://schemas.openxmlformats.org/officeDocument/2006/relationships" xmlns:p="http://schemas.openxmlformats.org/presentationml/2006/main">
+  <p:cSld>
+    <p:spTree>
+      <p:nvGrpSpPr>
+        <p:cNvPr id="1" name=""/>
+        <p:cNvGrpSpPr/>
+        <p:nvPr/>
+      </p:nvGrpSpPr>
+      <p:grpSpPr>
+        <a:xfrm>
+          <a:off x="0" y="0"/>
+          <a:ext cx="0" cy="0"/>
+          <a:chOff x="0" y="0"/>
+          <a:chExt cx="0" cy="0"/>
+        </a:xfrm>
+      </p:grpSpPr>
+      <p:sp>
+        <p:nvSpPr>
+          <p:cNvPr id="2" name="Title 1"/>
+          <p:cNvSpPr>
+            <a:spLocks noGrp="1"/>
+          </p:cNvSpPr>
+          <p:nvPr>
+            <p:ph type="title"/>
+          </p:nvPr>
+        </p:nvSpPr>
+        <p:spPr/>
+        <p:txBody>
+          <a:bodyPr/>
+          <a:lstStyle/>
+          <a:p>
+            <a:r>
+              <a:rPr lang="en-US" dirty="0" smtClean="0"/>
+              <a:t>Disassembly (</a:t>
+            </a:r>
+            <a:r>
+              <a:rPr lang="en-US" dirty="0" err="1" smtClean="0"/>
+              <a:t>iVotronic</a:t>
+            </a:r>
+            <a:r>
+              <a:rPr lang="en-US" dirty="0" smtClean="0"/>
+              <a:t>)</a:t>
+            </a:r>
+            <a:endParaRPr lang="en-US" dirty="0"/>
+          </a:p>
+        </p:txBody>
+      </p:sp>
+      <p:pic>
+        <p:nvPicPr>
           <p:cNvPr id="4" name="Content Placeholder 3"/>
           <p:cNvPicPr>
             <a:picLocks noGrp="1" noChangeAspect="1"/>
@@ -3963,7 +5218,7 @@
           </p:nvPr>
         </p:nvPicPr>
         <p:blipFill>
-          <a:blip r:embed="rId2" cstate="print">
+          <a:blip r:embed="rId3" cstate="print">
             <a:extLst>
               <a:ext uri="{28A0092B-C50C-407E-A947-70E740481C1C}">
                 <a14:useLocalDpi xmlns:a14="http://schemas.microsoft.com/office/drawing/2010/main" val="0"/>
@@ -4001,7 +5256,7 @@
 </p:sld>
 </file>
 
-<file path=ppt/slides/slide5.xml><?xml version="1.0" encoding="utf-8"?>
+<file path=ppt/slides/slide7.xml><?xml version="1.0" encoding="utf-8"?>
 <p:sld xmlns:a="http://schemas.openxmlformats.org/drawingml/2006/main" xmlns:r="http://schemas.openxmlformats.org/officeDocument/2006/relationships" xmlns:p="http://schemas.openxmlformats.org/presentationml/2006/main">
   <p:cSld>
     <p:spTree>
@@ -4158,7 +5413,7 @@
 </p:sld>
 </file>
 
-<file path=ppt/slides/slide6.xml><?xml version="1.0" encoding="utf-8"?>
+<file path=ppt/slides/slide8.xml><?xml version="1.0" encoding="utf-8"?>
 <p:sld xmlns:a="http://schemas.openxmlformats.org/drawingml/2006/main" xmlns:r="http://schemas.openxmlformats.org/officeDocument/2006/relationships" xmlns:p="http://schemas.openxmlformats.org/presentationml/2006/main">
   <p:cSld>
     <p:spTree>
@@ -4209,7 +5464,7 @@
           </p:nvPr>
         </p:nvPicPr>
         <p:blipFill>
-          <a:blip r:embed="rId2" cstate="print">
+          <a:blip r:embed="rId3" cstate="print">
             <a:extLst>
               <a:ext uri="{28A0092B-C50C-407E-A947-70E740481C1C}">
                 <a14:useLocalDpi xmlns:a14="http://schemas.microsoft.com/office/drawing/2010/main" val="0"/>
@@ -4247,7 +5502,7 @@
 </p:sld>
 </file>
 
-<file path=ppt/slides/slide7.xml><?xml version="1.0" encoding="utf-8"?>
+<file path=ppt/slides/slide9.xml><?xml version="1.0" encoding="utf-8"?>
 <p:sld xmlns:a="http://schemas.openxmlformats.org/drawingml/2006/main" xmlns:r="http://schemas.openxmlformats.org/officeDocument/2006/relationships" xmlns:p="http://schemas.openxmlformats.org/presentationml/2006/main">
   <p:cSld>
     <p:spTree>
@@ -4298,7 +5553,7 @@
           </p:nvPr>
         </p:nvPicPr>
         <p:blipFill>
-          <a:blip r:embed="rId2" cstate="print">
+          <a:blip r:embed="rId3" cstate="print">
             <a:extLst>
               <a:ext uri="{28A0092B-C50C-407E-A947-70E740481C1C}">
                 <a14:useLocalDpi xmlns:a14="http://schemas.microsoft.com/office/drawing/2010/main" val="0"/>
@@ -4325,7 +5580,7 @@
           <p:nvPr/>
         </p:nvPicPr>
         <p:blipFill>
-          <a:blip r:embed="rId3"/>
+          <a:blip r:embed="rId4"/>
           <a:stretch>
             <a:fillRect/>
           </a:stretch>
@@ -4344,209 +5599,6 @@
     <p:extLst>
       <p:ext uri="{BB962C8B-B14F-4D97-AF65-F5344CB8AC3E}">
         <p14:creationId xmlns:p14="http://schemas.microsoft.com/office/powerpoint/2010/main" val="3214051826"/>
-      </p:ext>
-    </p:extLst>
-  </p:cSld>
-  <p:clrMapOvr>
-    <a:masterClrMapping/>
-  </p:clrMapOvr>
-  <p:timing>
-    <p:tnLst>
-      <p:par>
-        <p:cTn id="1" dur="indefinite" restart="never" nodeType="tmRoot"/>
-      </p:par>
-    </p:tnLst>
-  </p:timing>
-</p:sld>
-</file>
-
-<file path=ppt/slides/slide8.xml><?xml version="1.0" encoding="utf-8"?>
-<p:sld xmlns:a="http://schemas.openxmlformats.org/drawingml/2006/main" xmlns:r="http://schemas.openxmlformats.org/officeDocument/2006/relationships" xmlns:p="http://schemas.openxmlformats.org/presentationml/2006/main">
-  <p:cSld>
-    <p:spTree>
-      <p:nvGrpSpPr>
-        <p:cNvPr id="1" name=""/>
-        <p:cNvGrpSpPr/>
-        <p:nvPr/>
-      </p:nvGrpSpPr>
-      <p:grpSpPr>
-        <a:xfrm>
-          <a:off x="0" y="0"/>
-          <a:ext cx="0" cy="0"/>
-          <a:chOff x="0" y="0"/>
-          <a:chExt cx="0" cy="0"/>
-        </a:xfrm>
-      </p:grpSpPr>
-      <p:sp>
-        <p:nvSpPr>
-          <p:cNvPr id="2" name="Title 1"/>
-          <p:cNvSpPr>
-            <a:spLocks noGrp="1"/>
-          </p:cNvSpPr>
-          <p:nvPr>
-            <p:ph type="title"/>
-          </p:nvPr>
-        </p:nvSpPr>
-        <p:spPr/>
-        <p:txBody>
-          <a:bodyPr/>
-          <a:lstStyle/>
-          <a:p>
-            <a:r>
-              <a:rPr lang="en-US" dirty="0" err="1" smtClean="0"/>
-              <a:t>iVotronic</a:t>
-            </a:r>
-            <a:r>
-              <a:rPr lang="en-US" dirty="0" smtClean="0"/>
-              <a:t> Hex Dump</a:t>
-            </a:r>
-            <a:endParaRPr lang="en-US" dirty="0"/>
-          </a:p>
-        </p:txBody>
-      </p:sp>
-      <p:sp>
-        <p:nvSpPr>
-          <p:cNvPr id="3" name="Content Placeholder 2"/>
-          <p:cNvSpPr>
-            <a:spLocks noGrp="1"/>
-          </p:cNvSpPr>
-          <p:nvPr>
-            <p:ph idx="1"/>
-          </p:nvPr>
-        </p:nvSpPr>
-        <p:spPr/>
-        <p:txBody>
-          <a:bodyPr/>
-          <a:lstStyle/>
-          <a:p>
-            <a:r>
-              <a:rPr lang="en-US" dirty="0" smtClean="0"/>
-              <a:t>Hardware planning to be used: Bus Pirate</a:t>
-            </a:r>
-          </a:p>
-          <a:p>
-            <a:r>
-              <a:rPr lang="en-US" dirty="0" smtClean="0"/>
-              <a:t>Software planning to be used: TBD</a:t>
-            </a:r>
-          </a:p>
-          <a:p>
-            <a:r>
-              <a:rPr lang="en-US" dirty="0" smtClean="0"/>
-              <a:t>JTAG Port will be used to obtain</a:t>
-            </a:r>
-          </a:p>
-          <a:p>
-            <a:endParaRPr lang="en-US" dirty="0"/>
-          </a:p>
-        </p:txBody>
-      </p:sp>
-    </p:spTree>
-    <p:extLst>
-      <p:ext uri="{BB962C8B-B14F-4D97-AF65-F5344CB8AC3E}">
-        <p14:creationId xmlns:p14="http://schemas.microsoft.com/office/powerpoint/2010/main" val="1362038670"/>
-      </p:ext>
-    </p:extLst>
-  </p:cSld>
-  <p:clrMapOvr>
-    <a:masterClrMapping/>
-  </p:clrMapOvr>
-</p:sld>
-</file>
-
-<file path=ppt/slides/slide9.xml><?xml version="1.0" encoding="utf-8"?>
-<p:sld xmlns:a="http://schemas.openxmlformats.org/drawingml/2006/main" xmlns:r="http://schemas.openxmlformats.org/officeDocument/2006/relationships" xmlns:p="http://schemas.openxmlformats.org/presentationml/2006/main">
-  <p:cSld>
-    <p:spTree>
-      <p:nvGrpSpPr>
-        <p:cNvPr id="1" name=""/>
-        <p:cNvGrpSpPr/>
-        <p:nvPr/>
-      </p:nvGrpSpPr>
-      <p:grpSpPr>
-        <a:xfrm>
-          <a:off x="0" y="0"/>
-          <a:ext cx="0" cy="0"/>
-          <a:chOff x="0" y="0"/>
-          <a:chExt cx="0" cy="0"/>
-        </a:xfrm>
-      </p:grpSpPr>
-      <p:sp>
-        <p:nvSpPr>
-          <p:cNvPr id="2" name="Title 1"/>
-          <p:cNvSpPr>
-            <a:spLocks noGrp="1"/>
-          </p:cNvSpPr>
-          <p:nvPr>
-            <p:ph type="title"/>
-          </p:nvPr>
-        </p:nvSpPr>
-        <p:spPr/>
-        <p:txBody>
-          <a:bodyPr/>
-          <a:lstStyle/>
-          <a:p>
-            <a:r>
-              <a:rPr lang="en-US" dirty="0" smtClean="0"/>
-              <a:t>Progression of Goals</a:t>
-            </a:r>
-            <a:endParaRPr lang="en-US" dirty="0"/>
-          </a:p>
-        </p:txBody>
-      </p:sp>
-      <p:sp>
-        <p:nvSpPr>
-          <p:cNvPr id="3" name="Content Placeholder 2"/>
-          <p:cNvSpPr>
-            <a:spLocks noGrp="1"/>
-          </p:cNvSpPr>
-          <p:nvPr>
-            <p:ph idx="1"/>
-          </p:nvPr>
-        </p:nvSpPr>
-        <p:spPr/>
-        <p:txBody>
-          <a:bodyPr/>
-          <a:lstStyle/>
-          <a:p>
-            <a:r>
-              <a:rPr lang="en-US" dirty="0" smtClean="0"/>
-              <a:t>Complete hardware inventory ~(95%)</a:t>
-            </a:r>
-          </a:p>
-          <a:p>
-            <a:r>
-              <a:rPr lang="en-US" dirty="0" smtClean="0"/>
-              <a:t>PEB </a:t>
-            </a:r>
-            <a:r>
-              <a:rPr lang="en-US" dirty="0"/>
-              <a:t>h</a:t>
-            </a:r>
-            <a:r>
-              <a:rPr lang="en-US" dirty="0" smtClean="0"/>
-              <a:t>ex dump ~(60%)</a:t>
-            </a:r>
-          </a:p>
-          <a:p>
-            <a:r>
-              <a:rPr lang="en-US" dirty="0" err="1" smtClean="0"/>
-              <a:t>iVotronic</a:t>
-            </a:r>
-            <a:r>
-              <a:rPr lang="en-US" dirty="0" smtClean="0"/>
-              <a:t> hex dump ~(5%)</a:t>
-            </a:r>
-          </a:p>
-          <a:p>
-            <a:endParaRPr lang="en-US" dirty="0"/>
-          </a:p>
-        </p:txBody>
-      </p:sp>
-    </p:spTree>
-    <p:extLst>
-      <p:ext uri="{BB962C8B-B14F-4D97-AF65-F5344CB8AC3E}">
-        <p14:creationId xmlns:p14="http://schemas.microsoft.com/office/powerpoint/2010/main" val="4020037087"/>
       </p:ext>
     </p:extLst>
   </p:cSld>
